--- a/rel-electro-immersif-originals/sortie_numerique.pptx
+++ b/rel-electro-immersif-originals/sortie_numerique.pptx
@@ -5,8 +5,7 @@
     <p:sldMasterId id="2147483648" r:id="rId1"/>
   </p:sldMasterIdLst>
   <p:sldIdLst>
-    <p:sldId id="2941" r:id="rId2"/>
-    <p:sldId id="3070" r:id="rId3"/>
+    <p:sldId id="3070" r:id="rId2"/>
   </p:sldIdLst>
   <p:sldSz cx="12192000" cy="6858000"/>
   <p:notesSz cx="6858000" cy="9144000"/>
@@ -105,6 +104,11 @@
       </a:defRPr>
     </a:lvl9pPr>
   </p:defaultTextStyle>
+  <p:extLst>
+    <p:ext uri="{EFAFB233-063F-42B5-8137-9DF3F51BA10A}">
+      <p15:sldGuideLst xmlns:p15="http://schemas.microsoft.com/office/powerpoint/2012/main"/>
+    </p:ext>
+  </p:extLst>
 </p:presentation>
 </file>
 
@@ -118,6 +122,22 @@
 
 <file path=ppt/changesInfos/changesInfo1.xml><?xml version="1.0" encoding="utf-8"?>
 <pc:chgInfo xmlns:a="http://schemas.openxmlformats.org/drawingml/2006/main" xmlns:r="http://schemas.openxmlformats.org/officeDocument/2006/relationships" xmlns:ac="http://schemas.microsoft.com/office/drawing/2013/main/command" xmlns:pc="http://schemas.microsoft.com/office/powerpoint/2013/main/command">
+  <pc:docChgLst>
+    <pc:chgData name="Thomas O Fredericks" userId="9a40f032a9b16fc7" providerId="LiveId" clId="{1E75C182-3BB9-43BA-BFBF-990CE6FE8B04}"/>
+    <pc:docChg chg="delSld">
+      <pc:chgData name="Thomas O Fredericks" userId="9a40f032a9b16fc7" providerId="LiveId" clId="{1E75C182-3BB9-43BA-BFBF-990CE6FE8B04}" dt="2022-09-13T23:17:13.725" v="0" actId="2696"/>
+      <pc:docMkLst>
+        <pc:docMk/>
+      </pc:docMkLst>
+      <pc:sldChg chg="del">
+        <pc:chgData name="Thomas O Fredericks" userId="9a40f032a9b16fc7" providerId="LiveId" clId="{1E75C182-3BB9-43BA-BFBF-990CE6FE8B04}" dt="2022-09-13T23:17:13.725" v="0" actId="2696"/>
+        <pc:sldMkLst>
+          <pc:docMk/>
+          <pc:sldMk cId="291653935" sldId="2941"/>
+        </pc:sldMkLst>
+      </pc:sldChg>
+    </pc:docChg>
+  </pc:docChgLst>
   <pc:docChgLst>
     <pc:chgData name="Thomas O Fredericks" userId="9a40f032a9b16fc7" providerId="LiveId" clId="{0070C532-8D39-4810-9AFC-FBE77E81F1D7}"/>
     <pc:docChg chg="addSld delSld modSld">
@@ -300,7 +320,7 @@
           <a:p>
             <a:fld id="{DCDD5F17-F228-4C32-BB08-C02CB1CDA8CD}" type="datetimeFigureOut">
               <a:rPr lang="fr-CA" smtClean="0"/>
-              <a:t>2022-09-12</a:t>
+              <a:t>2022-09-13</a:t>
             </a:fld>
             <a:endParaRPr lang="fr-CA"/>
           </a:p>
@@ -500,7 +520,7 @@
           <a:p>
             <a:fld id="{DCDD5F17-F228-4C32-BB08-C02CB1CDA8CD}" type="datetimeFigureOut">
               <a:rPr lang="fr-CA" smtClean="0"/>
-              <a:t>2022-09-12</a:t>
+              <a:t>2022-09-13</a:t>
             </a:fld>
             <a:endParaRPr lang="fr-CA"/>
           </a:p>
@@ -710,7 +730,7 @@
           <a:p>
             <a:fld id="{DCDD5F17-F228-4C32-BB08-C02CB1CDA8CD}" type="datetimeFigureOut">
               <a:rPr lang="fr-CA" smtClean="0"/>
-              <a:t>2022-09-12</a:t>
+              <a:t>2022-09-13</a:t>
             </a:fld>
             <a:endParaRPr lang="fr-CA"/>
           </a:p>
@@ -910,7 +930,7 @@
           <a:p>
             <a:fld id="{DCDD5F17-F228-4C32-BB08-C02CB1CDA8CD}" type="datetimeFigureOut">
               <a:rPr lang="fr-CA" smtClean="0"/>
-              <a:t>2022-09-12</a:t>
+              <a:t>2022-09-13</a:t>
             </a:fld>
             <a:endParaRPr lang="fr-CA"/>
           </a:p>
@@ -1186,7 +1206,7 @@
           <a:p>
             <a:fld id="{DCDD5F17-F228-4C32-BB08-C02CB1CDA8CD}" type="datetimeFigureOut">
               <a:rPr lang="fr-CA" smtClean="0"/>
-              <a:t>2022-09-12</a:t>
+              <a:t>2022-09-13</a:t>
             </a:fld>
             <a:endParaRPr lang="fr-CA"/>
           </a:p>
@@ -1454,7 +1474,7 @@
           <a:p>
             <a:fld id="{DCDD5F17-F228-4C32-BB08-C02CB1CDA8CD}" type="datetimeFigureOut">
               <a:rPr lang="fr-CA" smtClean="0"/>
-              <a:t>2022-09-12</a:t>
+              <a:t>2022-09-13</a:t>
             </a:fld>
             <a:endParaRPr lang="fr-CA"/>
           </a:p>
@@ -1869,7 +1889,7 @@
           <a:p>
             <a:fld id="{DCDD5F17-F228-4C32-BB08-C02CB1CDA8CD}" type="datetimeFigureOut">
               <a:rPr lang="fr-CA" smtClean="0"/>
-              <a:t>2022-09-12</a:t>
+              <a:t>2022-09-13</a:t>
             </a:fld>
             <a:endParaRPr lang="fr-CA"/>
           </a:p>
@@ -2011,7 +2031,7 @@
           <a:p>
             <a:fld id="{DCDD5F17-F228-4C32-BB08-C02CB1CDA8CD}" type="datetimeFigureOut">
               <a:rPr lang="fr-CA" smtClean="0"/>
-              <a:t>2022-09-12</a:t>
+              <a:t>2022-09-13</a:t>
             </a:fld>
             <a:endParaRPr lang="fr-CA"/>
           </a:p>
@@ -2124,7 +2144,7 @@
           <a:p>
             <a:fld id="{DCDD5F17-F228-4C32-BB08-C02CB1CDA8CD}" type="datetimeFigureOut">
               <a:rPr lang="fr-CA" smtClean="0"/>
-              <a:t>2022-09-12</a:t>
+              <a:t>2022-09-13</a:t>
             </a:fld>
             <a:endParaRPr lang="fr-CA"/>
           </a:p>
@@ -2437,7 +2457,7 @@
           <a:p>
             <a:fld id="{DCDD5F17-F228-4C32-BB08-C02CB1CDA8CD}" type="datetimeFigureOut">
               <a:rPr lang="fr-CA" smtClean="0"/>
-              <a:t>2022-09-12</a:t>
+              <a:t>2022-09-13</a:t>
             </a:fld>
             <a:endParaRPr lang="fr-CA"/>
           </a:p>
@@ -2726,7 +2746,7 @@
           <a:p>
             <a:fld id="{DCDD5F17-F228-4C32-BB08-C02CB1CDA8CD}" type="datetimeFigureOut">
               <a:rPr lang="fr-CA" smtClean="0"/>
-              <a:t>2022-09-12</a:t>
+              <a:t>2022-09-13</a:t>
             </a:fld>
             <a:endParaRPr lang="fr-CA"/>
           </a:p>
@@ -2969,7 +2989,7 @@
           <a:p>
             <a:fld id="{DCDD5F17-F228-4C32-BB08-C02CB1CDA8CD}" type="datetimeFigureOut">
               <a:rPr lang="fr-CA" smtClean="0"/>
-              <a:t>2022-09-12</a:t>
+              <a:t>2022-09-13</a:t>
             </a:fld>
             <a:endParaRPr lang="fr-CA"/>
           </a:p>
@@ -3370,255 +3390,6 @@
 </file>
 
 <file path=ppt/slides/slide1.xml><?xml version="1.0" encoding="utf-8"?>
-<p:sld xmlns:a="http://schemas.openxmlformats.org/drawingml/2006/main" xmlns:r="http://schemas.openxmlformats.org/officeDocument/2006/relationships" xmlns:p="http://schemas.openxmlformats.org/presentationml/2006/main">
-  <p:cSld>
-    <p:spTree>
-      <p:nvGrpSpPr>
-        <p:cNvPr id="1" name=""/>
-        <p:cNvGrpSpPr/>
-        <p:nvPr/>
-      </p:nvGrpSpPr>
-      <p:grpSpPr>
-        <a:xfrm>
-          <a:off x="0" y="0"/>
-          <a:ext cx="0" cy="0"/>
-          <a:chOff x="0" y="0"/>
-          <a:chExt cx="0" cy="0"/>
-        </a:xfrm>
-      </p:grpSpPr>
-      <p:sp>
-        <p:nvSpPr>
-          <p:cNvPr id="3" name="Espace réservé du contenu 2">
-            <a:extLst>
-              <a:ext uri="{FF2B5EF4-FFF2-40B4-BE49-F238E27FC236}">
-                <a16:creationId xmlns:a16="http://schemas.microsoft.com/office/drawing/2014/main" id="{AF191D2F-21FB-4B57-8F1F-D0BFAC1FC76D}"/>
-              </a:ext>
-            </a:extLst>
-          </p:cNvPr>
-          <p:cNvSpPr>
-            <a:spLocks noGrp="1"/>
-          </p:cNvSpPr>
-          <p:nvPr>
-            <p:ph idx="1"/>
-          </p:nvPr>
-        </p:nvSpPr>
-        <p:spPr>
-          <a:xfrm>
-            <a:off x="838200" y="1253330"/>
-            <a:ext cx="10515600" cy="5052219"/>
-          </a:xfrm>
-        </p:spPr>
-        <p:txBody>
-          <a:bodyPr>
-            <a:normAutofit/>
-          </a:bodyPr>
-          <a:lstStyle/>
-          <a:p>
-            <a:pPr marL="0" indent="0">
-              <a:buNone/>
-            </a:pPr>
-            <a:r>
-              <a:rPr lang="fr-CA" dirty="0"/>
-              <a:t>Il est possible de régler la tension présente à la plupart des broches. Cette tension peut être réglée à deux niveaux :</a:t>
-            </a:r>
-          </a:p>
-          <a:p>
-            <a:r>
-              <a:rPr lang="fr-CA" dirty="0"/>
-              <a:t>HIGH : règle la tension à 5V</a:t>
-            </a:r>
-          </a:p>
-          <a:p>
-            <a:r>
-              <a:rPr lang="fr-CA" dirty="0"/>
-              <a:t>LOW : règle la tension à 0V (GND)</a:t>
-            </a:r>
-          </a:p>
-          <a:p>
-            <a:pPr marL="0" indent="0">
-              <a:buNone/>
-            </a:pPr>
-            <a:r>
-              <a:rPr lang="fr-CA" dirty="0"/>
-              <a:t>Pour régler la tension électrique présente à une broche, nous utilisons la paire de fonctions suivantes :</a:t>
-            </a:r>
-          </a:p>
-          <a:p>
-            <a:pPr marL="0" indent="0">
-              <a:buNone/>
-            </a:pPr>
-            <a:r>
-              <a:rPr lang="fr-CA" dirty="0"/>
-              <a:t>1) Configurer la broche en mode sortie :</a:t>
-            </a:r>
-          </a:p>
-          <a:p>
-            <a:pPr marL="457200" indent="-457200">
-              <a:buFont typeface="+mj-lt"/>
-              <a:buAutoNum type="arabicPeriod"/>
-            </a:pPr>
-            <a:endParaRPr lang="fr-CA" dirty="0"/>
-          </a:p>
-          <a:p>
-            <a:pPr marL="0" indent="0">
-              <a:buNone/>
-            </a:pPr>
-            <a:endParaRPr lang="fr-CA" dirty="0"/>
-          </a:p>
-          <a:p>
-            <a:pPr marL="0" indent="0">
-              <a:buNone/>
-            </a:pPr>
-            <a:r>
-              <a:rPr lang="fr-CA" dirty="0"/>
-              <a:t>2) Régler la tension avec l’une des commandes suivantes :</a:t>
-            </a:r>
-          </a:p>
-        </p:txBody>
-      </p:sp>
-      <p:sp>
-        <p:nvSpPr>
-          <p:cNvPr id="2" name="Titre 1">
-            <a:extLst>
-              <a:ext uri="{FF2B5EF4-FFF2-40B4-BE49-F238E27FC236}">
-                <a16:creationId xmlns:a16="http://schemas.microsoft.com/office/drawing/2014/main" id="{0C17CB7E-28ED-42B7-A032-5CD9D07F5FC7}"/>
-              </a:ext>
-            </a:extLst>
-          </p:cNvPr>
-          <p:cNvSpPr>
-            <a:spLocks noGrp="1"/>
-          </p:cNvSpPr>
-          <p:nvPr>
-            <p:ph type="title"/>
-          </p:nvPr>
-        </p:nvSpPr>
-        <p:spPr/>
-        <p:txBody>
-          <a:bodyPr>
-            <a:noAutofit/>
-          </a:bodyPr>
-          <a:lstStyle/>
-          <a:p>
-            <a:r>
-              <a:rPr lang="en-CA" sz="3600" dirty="0"/>
-              <a:t>RÉGLER UNE TENSION AVEC </a:t>
-            </a:r>
-            <a:r>
-              <a:rPr lang="en-CA" sz="3600" dirty="0" err="1"/>
-              <a:t>digitalWrite</a:t>
-            </a:r>
-            <a:r>
-              <a:rPr lang="en-CA" sz="3600" dirty="0"/>
-              <a:t>()</a:t>
-            </a:r>
-            <a:endParaRPr lang="fr-CA" sz="3600" dirty="0"/>
-          </a:p>
-        </p:txBody>
-      </p:sp>
-      <p:pic>
-        <p:nvPicPr>
-          <p:cNvPr id="7" name="Image 6">
-            <a:extLst>
-              <a:ext uri="{FF2B5EF4-FFF2-40B4-BE49-F238E27FC236}">
-                <a16:creationId xmlns:a16="http://schemas.microsoft.com/office/drawing/2014/main" id="{D520F6D8-535E-4429-8AC0-C45B200178FB}"/>
-              </a:ext>
-            </a:extLst>
-          </p:cNvPr>
-          <p:cNvPicPr>
-            <a:picLocks noChangeAspect="1"/>
-          </p:cNvPicPr>
-          <p:nvPr/>
-        </p:nvPicPr>
-        <p:blipFill>
-          <a:blip r:embed="rId2"/>
-          <a:stretch>
-            <a:fillRect/>
-          </a:stretch>
-        </p:blipFill>
-        <p:spPr>
-          <a:xfrm>
-            <a:off x="2342834" y="3583671"/>
-            <a:ext cx="6858957" cy="647790"/>
-          </a:xfrm>
-          <a:prstGeom prst="rect">
-            <a:avLst/>
-          </a:prstGeom>
-        </p:spPr>
-      </p:pic>
-      <p:pic>
-        <p:nvPicPr>
-          <p:cNvPr id="8" name="Image 7">
-            <a:extLst>
-              <a:ext uri="{FF2B5EF4-FFF2-40B4-BE49-F238E27FC236}">
-                <a16:creationId xmlns:a16="http://schemas.microsoft.com/office/drawing/2014/main" id="{EB3458A9-F6AD-45F5-8DD4-78BE5F0DC876}"/>
-              </a:ext>
-            </a:extLst>
-          </p:cNvPr>
-          <p:cNvPicPr>
-            <a:picLocks noChangeAspect="1"/>
-          </p:cNvPicPr>
-          <p:nvPr/>
-        </p:nvPicPr>
-        <p:blipFill>
-          <a:blip r:embed="rId3"/>
-          <a:stretch>
-            <a:fillRect/>
-          </a:stretch>
-        </p:blipFill>
-        <p:spPr>
-          <a:xfrm>
-            <a:off x="2342834" y="4763609"/>
-            <a:ext cx="7354326" cy="504895"/>
-          </a:xfrm>
-          <a:prstGeom prst="rect">
-            <a:avLst/>
-          </a:prstGeom>
-        </p:spPr>
-      </p:pic>
-      <p:pic>
-        <p:nvPicPr>
-          <p:cNvPr id="9" name="Image 8">
-            <a:extLst>
-              <a:ext uri="{FF2B5EF4-FFF2-40B4-BE49-F238E27FC236}">
-                <a16:creationId xmlns:a16="http://schemas.microsoft.com/office/drawing/2014/main" id="{0A0F75B6-59A0-4688-8BFF-85CD4EEDE95D}"/>
-              </a:ext>
-            </a:extLst>
-          </p:cNvPr>
-          <p:cNvPicPr>
-            <a:picLocks noChangeAspect="1"/>
-          </p:cNvPicPr>
-          <p:nvPr/>
-        </p:nvPicPr>
-        <p:blipFill>
-          <a:blip r:embed="rId4"/>
-          <a:stretch>
-            <a:fillRect/>
-          </a:stretch>
-        </p:blipFill>
-        <p:spPr>
-          <a:xfrm>
-            <a:off x="2342834" y="5455034"/>
-            <a:ext cx="7211431" cy="647790"/>
-          </a:xfrm>
-          <a:prstGeom prst="rect">
-            <a:avLst/>
-          </a:prstGeom>
-        </p:spPr>
-      </p:pic>
-    </p:spTree>
-    <p:extLst>
-      <p:ext uri="{BB962C8B-B14F-4D97-AF65-F5344CB8AC3E}">
-        <p14:creationId xmlns:p14="http://schemas.microsoft.com/office/powerpoint/2010/main" val="291653935"/>
-      </p:ext>
-    </p:extLst>
-  </p:cSld>
-  <p:clrMapOvr>
-    <a:masterClrMapping/>
-  </p:clrMapOvr>
-</p:sld>
-</file>
-
-<file path=ppt/slides/slide2.xml><?xml version="1.0" encoding="utf-8"?>
 <p:sld xmlns:a="http://schemas.openxmlformats.org/drawingml/2006/main" xmlns:r="http://schemas.openxmlformats.org/officeDocument/2006/relationships" xmlns:p="http://schemas.openxmlformats.org/presentationml/2006/main">
   <p:cSld>
     <p:spTree>
